--- a/presentation.pptx
+++ b/presentation.pptx
@@ -3093,30 +3093,6 @@
       <p:grpSpPr/>
       <p:sp>
         <p:nvSpPr>
-          <p:cNvPr id="2" name="Title 1"/>
-          <p:cNvSpPr>
-            <a:spLocks noGrp="1"/>
-          </p:cNvSpPr>
-          <p:nvPr>
-            <p:ph type="title"/>
-          </p:nvPr>
-        </p:nvSpPr>
-        <p:spPr/>
-        <p:txBody>
-          <a:bodyPr/>
-          <a:lstStyle/>
-          <a:p>
-            <a:r>
-              <a:rPr sz="1600">
-                <a:latin typeface="Open Sans"/>
-              </a:rPr>
-              <a:t>Inicio</a:t>
-            </a:r>
-          </a:p>
-        </p:txBody>
-      </p:sp>
-      <p:sp>
-        <p:nvSpPr>
           <p:cNvPr id="3" name="Content Placeholder 2"/>
           <p:cNvSpPr>
             <a:spLocks noGrp="1"/>
@@ -3129,59 +3105,12 @@
         <p:txBody>
           <a:bodyPr/>
           <a:lstStyle/>
-          <a:p>
-            <a:r>
-              <a:rPr sz="1600">
-                <a:latin typeface="Open Sans"/>
-              </a:rPr>
-              <a:t>Análisis de datos para mejorar estrategias empresariales.</a:t>
-            </a:r>
-          </a:p>
-        </p:txBody>
-      </p:sp>
-      <p:sp>
-        <p:nvSpPr>
-          <p:cNvPr id="4" name="Rectangle 3"/>
-          <p:cNvSpPr/>
-          <p:nvPr/>
-        </p:nvSpPr>
-        <p:spPr>
-          <a:xfrm>
-            <a:off x="1828800" y="0"/>
-            <a:ext cx="9144000" cy="127000"/>
-          </a:xfrm>
-          <a:prstGeom prst="rect">
-            <a:avLst/>
-          </a:prstGeom>
-          <a:solidFill>
-            <a:srgbClr val="FF0E68"/>
-          </a:solidFill>
-        </p:spPr>
-        <p:style>
-          <a:lnRef idx="1">
-            <a:schemeClr val="accent1"/>
-          </a:lnRef>
-          <a:fillRef idx="3">
-            <a:schemeClr val="accent1"/>
-          </a:fillRef>
-          <a:effectRef idx="2">
-            <a:schemeClr val="accent1"/>
-          </a:effectRef>
-          <a:fontRef idx="minor">
-            <a:schemeClr val="lt1"/>
-          </a:fontRef>
-        </p:style>
-        <p:txBody>
-          <a:bodyPr rtlCol="0" anchor="ctr"/>
-          <a:lstStyle/>
-          <a:p>
-            <a:pPr algn="ctr"/>
-          </a:p>
+          <a:p/>
         </p:txBody>
       </p:sp>
       <p:pic>
         <p:nvPicPr>
-          <p:cNvPr id="5" name="Picture 4" descr="Background.png"/>
+          <p:cNvPr id="4" name="Picture 3" descr="Background.png"/>
           <p:cNvPicPr>
             <a:picLocks noChangeAspect="1"/>
           </p:cNvPicPr>
@@ -3205,7 +3134,7 @@
       </p:pic>
       <p:pic>
         <p:nvPicPr>
-          <p:cNvPr id="6" name="Picture 5" descr="logo-datarebels-rosa.png"/>
+          <p:cNvPr id="5" name="Picture 4" descr="logo-datarebels-rosa.png"/>
           <p:cNvPicPr>
             <a:picLocks noChangeAspect="1"/>
           </p:cNvPicPr>
@@ -3219,8 +3148,8 @@
         </p:blipFill>
         <p:spPr>
           <a:xfrm>
-            <a:off x="914400" y="1828800"/>
-            <a:ext cx="3822700" cy="914400"/>
+            <a:off x="457200" y="1371600"/>
+            <a:ext cx="2743200" cy="640080"/>
           </a:xfrm>
           <a:prstGeom prst="rect">
             <a:avLst/>
@@ -3229,7 +3158,7 @@
       </p:pic>
       <p:pic>
         <p:nvPicPr>
-          <p:cNvPr id="7" name="Picture 6" descr="logo-datarebels-portada.png"/>
+          <p:cNvPr id="6" name="Picture 5" descr="logo-datarebels-portada.png"/>
           <p:cNvPicPr>
             <a:picLocks noChangeAspect="1"/>
           </p:cNvPicPr>
@@ -3244,13 +3173,40 @@
         <p:spPr>
           <a:xfrm>
             <a:off x="9144000" y="1828800"/>
-            <a:ext cx="2743200" cy="4572000"/>
+            <a:ext cx="3657600" cy="3657600"/>
           </a:xfrm>
           <a:prstGeom prst="rect">
             <a:avLst/>
           </a:prstGeom>
         </p:spPr>
       </p:pic>
+      <p:sp>
+        <p:nvSpPr>
+          <p:cNvPr id="2" name="Title 1"/>
+          <p:cNvSpPr>
+            <a:spLocks noGrp="1"/>
+          </p:cNvSpPr>
+          <p:nvPr>
+            <p:ph type="title"/>
+          </p:nvPr>
+        </p:nvSpPr>
+        <p:spPr>
+          <a:xfrm>
+            <a:off x="457200" y="2743200"/>
+            <a:ext cx="6400800" cy="0"/>
+          </a:xfrm>
+        </p:spPr>
+        <p:txBody>
+          <a:bodyPr/>
+          <a:lstStyle/>
+          <a:p>
+            <a:r>
+              <a:rPr b="1" sz="4500"/>
+              <a:t>Introducción a la convergencia de Datos y Negocios</a:t>
+            </a:r>
+          </a:p>
+        </p:txBody>
+      </p:sp>
     </p:spTree>
   </p:cSld>
   <p:clrMapOvr>
@@ -3285,34 +3241,40 @@
           <a:lstStyle/>
           <a:p>
             <a:r>
+              <a:t>Objetivos</a:t>
+            </a:r>
+          </a:p>
+        </p:txBody>
+      </p:sp>
+      <p:sp>
+        <p:nvSpPr>
+          <p:cNvPr id="3" name="Content Placeholder 2"/>
+          <p:cNvSpPr>
+            <a:spLocks noGrp="1"/>
+          </p:cNvSpPr>
+          <p:nvPr>
+            <p:ph idx="1"/>
+          </p:nvPr>
+        </p:nvSpPr>
+        <p:spPr/>
+        <p:txBody>
+          <a:bodyPr/>
+          <a:lstStyle/>
+          <a:p>
+            <a:r>
               <a:rPr sz="1600">
                 <a:latin typeface="Open Sans"/>
               </a:rPr>
-              <a:t>Objetivos</a:t>
-            </a:r>
-          </a:p>
-        </p:txBody>
-      </p:sp>
-      <p:sp>
-        <p:nvSpPr>
-          <p:cNvPr id="3" name="Content Placeholder 2"/>
-          <p:cNvSpPr>
-            <a:spLocks noGrp="1"/>
-          </p:cNvSpPr>
-          <p:nvPr>
-            <p:ph idx="1"/>
-          </p:nvPr>
-        </p:nvSpPr>
-        <p:spPr/>
-        <p:txBody>
-          <a:bodyPr/>
-          <a:lstStyle/>
+              <a:t>1. Proporcionar a los estudiantes los conocimientos y habilidades necesarios para comprender y aplicar los conceptos y teorías relacionados con la materia.</a:t>
+            </a:r>
+          </a:p>
+          <a:p/>
           <a:p>
             <a:r>
               <a:rPr sz="1600">
                 <a:latin typeface="Open Sans"/>
               </a:rPr>
-              <a:t>1. Proporcionar a los estudiantes los conocimientos teóricos y prácticos necesarios para comprender y aplicar los conceptos clave del tema en estudio.</a:t>
+              <a:t>2. Fomentar el pensamiento crítico y la capacidad de análisis en los estudiantes.</a:t>
             </a:r>
           </a:p>
           <a:p/>
@@ -3321,7 +3283,7 @@
               <a:rPr sz="1600">
                 <a:latin typeface="Open Sans"/>
               </a:rPr>
-              <a:t>2. Fomentar el pensamiento crítico y la capacidad de análisis de los estudiantes a través de la discusión y el debate de ideas.</a:t>
+              <a:t>3. Promover la participación activa de los estudiantes en el proceso de aprendizaje a través de actividades prácticas y dinámicas.</a:t>
             </a:r>
           </a:p>
           <a:p/>
@@ -3330,7 +3292,7 @@
               <a:rPr sz="1600">
                 <a:latin typeface="Open Sans"/>
               </a:rPr>
-              <a:t>3. Desarrollar habilidades de comunicación oral y escrita, así como la capacidad de trabajar en equipo y colaborar con otros compañeros.</a:t>
+              <a:t>4. Desarrollar en los estudiantes habilidades de comunicación oral y escrita.</a:t>
             </a:r>
           </a:p>
           <a:p/>
@@ -3339,7 +3301,7 @@
               <a:rPr sz="1600">
                 <a:latin typeface="Open Sans"/>
               </a:rPr>
-              <a:t>4. Promover el interés y la curiosidad por el tema en estudio, motivando a los estudiantes a investigar y profundizar en el mismo.</a:t>
+              <a:t>5. Fomentar el trabajo en equipo y la colaboración entre los estudiantes.</a:t>
             </a:r>
           </a:p>
           <a:p/>
@@ -3348,7 +3310,7 @@
               <a:rPr sz="1600">
                 <a:latin typeface="Open Sans"/>
               </a:rPr>
-              <a:t>5. Evaluar el progreso y el aprendizaje de los estudiantes a través de diferentes actividades y evaluaciones, con el fin de identificar áreas de mejora y proporcionar retroalimentación constructiva.</a:t>
+              <a:t>6. Estimular la creatividad y la innovación en la resolución de problemas.</a:t>
             </a:r>
           </a:p>
           <a:p/>
@@ -3357,7 +3319,16 @@
               <a:rPr sz="1600">
                 <a:latin typeface="Open Sans"/>
               </a:rPr>
-              <a:t>6. Fomentar el respeto, la tolerancia y la diversidad en el aula, creando un ambiente de aprendizaje inclusivo y enriquecedor para todos los estudiantes.</a:t>
+              <a:t>7. Preparar a los estudiantes para enfrentar los desafíos y demandas del mundo laboral actual.</a:t>
+            </a:r>
+          </a:p>
+          <a:p/>
+          <a:p>
+            <a:r>
+              <a:rPr sz="1600">
+                <a:latin typeface="Open Sans"/>
+              </a:rPr>
+              <a:t>8. Inculcar en los estudiantes valores éticos y responsabilidad social en el ejercicio de su profesión.</a:t>
             </a:r>
           </a:p>
         </p:txBody>
@@ -3396,36 +3367,42 @@
           <a:lstStyle/>
           <a:p>
             <a:r>
+              <a:t>Tema 1</a:t>
+            </a:r>
+          </a:p>
+        </p:txBody>
+      </p:sp>
+      <p:sp>
+        <p:nvSpPr>
+          <p:cNvPr id="3" name="Content Placeholder 2"/>
+          <p:cNvSpPr>
+            <a:spLocks noGrp="1"/>
+          </p:cNvSpPr>
+          <p:nvPr>
+            <p:ph idx="1"/>
+          </p:nvPr>
+        </p:nvSpPr>
+        <p:spPr/>
+        <p:txBody>
+          <a:bodyPr/>
+          <a:lstStyle/>
+          <a:p/>
+          <a:p/>
+          <a:p>
+            <a:r>
               <a:rPr sz="1600">
                 <a:latin typeface="Open Sans"/>
               </a:rPr>
-              <a:t>Tema 1</a:t>
-            </a:r>
-          </a:p>
-        </p:txBody>
-      </p:sp>
-      <p:sp>
-        <p:nvSpPr>
-          <p:cNvPr id="3" name="Content Placeholder 2"/>
-          <p:cNvSpPr>
-            <a:spLocks noGrp="1"/>
-          </p:cNvSpPr>
-          <p:nvPr>
-            <p:ph idx="1"/>
-          </p:nvPr>
-        </p:nvSpPr>
-        <p:spPr/>
-        <p:txBody>
-          <a:bodyPr/>
-          <a:lstStyle/>
-          <a:p/>
+              <a:t>Además, la convergencia de datos y negocios también permite a las empresas mejorar la eficiencia operativa, reducir costos, identificar nuevas oportunidades de negocio y personalizar la experiencia del cliente. Al integrar datos de diferentes fuentes, como redes sociales, dispositivos móviles, sensores y sistemas internos, las empresas pueden obtener una visión más completa y precisa de su negocio y del mercado en el que operan.</a:t>
+            </a:r>
+          </a:p>
           <a:p/>
           <a:p>
             <a:r>
               <a:rPr sz="1600">
                 <a:latin typeface="Open Sans"/>
               </a:rPr>
-              <a:t>Además, la convergencia de datos y negocios también ayuda a las empresas a mejorar la experiencia del cliente, ya que les permite personalizar sus productos y servicios de acuerdo a las preferencias y necesidades de cada cliente. Esto a su vez, aumenta la fidelidad de los clientes y mejora la reputación de la empresa en el mercado.</a:t>
+              <a:t>Para lograr una convergencia efectiva de datos y negocios, las empresas deben invertir en tecnologías avanzadas de análisis de datos, como el big data, la inteligencia artificial y el machine learning, así como en talento especializado en análisis de datos y toma de decisiones basada en datos. Además, es importante establecer una cultura organizacional que fomente la colaboración entre los equipos de datos y de negocio, y que promueva la toma de decisiones basada en evidencia y en análisis de datos.</a:t>
             </a:r>
           </a:p>
           <a:p/>
@@ -3434,7 +3411,7 @@
               <a:rPr sz="1600">
                 <a:latin typeface="Open Sans"/>
               </a:rPr>
-              <a:t>En definitiva, la convergencia de datos y negocios es una tendencia que está transformando la forma en que las empresas operan y toman decisiones. Aquellas organizaciones que logren integrar de manera efectiva la información generada por sus diferentes áreas y utilizarla de manera estratégica, estarán en una posición ventajosa para competir en un mercado cada vez más exigente y dinámico.</a:t>
+              <a:t>En definitiva, la convergencia de datos y negocios es un proceso continuo y en constante evolución que requiere de un enfoque estratégico y de una inversión en tecnología y talento. Aquellas empresas que logren integrar de manera efectiva los datos en sus operaciones y en su toma de decisiones estarán mejor posicionadas para competir en el mercado actual y para impulsar su crecimiento y rentabilidad a largo plazo.</a:t>
             </a:r>
           </a:p>
         </p:txBody>
@@ -3447,8 +3424,8 @@
         </p:nvSpPr>
         <p:spPr>
           <a:xfrm>
-            <a:off x="1828800" y="0"/>
-            <a:ext cx="9144000" cy="127000"/>
+            <a:off x="0" y="91440"/>
+            <a:ext cx="10058400" cy="127000"/>
           </a:xfrm>
           <a:prstGeom prst="rect">
             <a:avLst/>
@@ -3456,6 +3433,10 @@
           <a:solidFill>
             <a:srgbClr val="FF0E68"/>
           </a:solidFill>
+          <a:ln>
+            <a:noFill/>
+          </a:ln>
+          <a:effectLst/>
         </p:spPr>
         <p:style>
           <a:lnRef idx="1">
@@ -3513,36 +3494,42 @@
           <a:lstStyle/>
           <a:p>
             <a:r>
+              <a:t>Tema 1 - Ejemplo o analogía</a:t>
+            </a:r>
+          </a:p>
+        </p:txBody>
+      </p:sp>
+      <p:sp>
+        <p:nvSpPr>
+          <p:cNvPr id="3" name="Content Placeholder 2"/>
+          <p:cNvSpPr>
+            <a:spLocks noGrp="1"/>
+          </p:cNvSpPr>
+          <p:nvPr>
+            <p:ph idx="1"/>
+          </p:nvPr>
+        </p:nvSpPr>
+        <p:spPr/>
+        <p:txBody>
+          <a:bodyPr/>
+          <a:lstStyle/>
+          <a:p/>
+          <a:p/>
+          <a:p>
+            <a:r>
               <a:rPr sz="1600">
                 <a:latin typeface="Open Sans"/>
               </a:rPr>
-              <a:t>Tema 1 - Ejemplo o analogía</a:t>
-            </a:r>
-          </a:p>
-        </p:txBody>
-      </p:sp>
-      <p:sp>
-        <p:nvSpPr>
-          <p:cNvPr id="3" name="Content Placeholder 2"/>
-          <p:cNvSpPr>
-            <a:spLocks noGrp="1"/>
-          </p:cNvSpPr>
-          <p:nvPr>
-            <p:ph idx="1"/>
-          </p:nvPr>
-        </p:nvSpPr>
-        <p:spPr/>
-        <p:txBody>
-          <a:bodyPr/>
-          <a:lstStyle/>
-          <a:p/>
+              <a:t>Una analogía para la convergencia de datos y negocios podría ser la de un chef que utiliza una variedad de ingredientes de alta calidad para crear un plato exquisito. En este caso, los datos serían los ingredientes y el negocio sería el plato final. El chef debe combinar los ingredientes de manera estratégica, analizar su calidad y propiedades, y utilizar su creatividad para crear una receta única y deliciosa.</a:t>
+            </a:r>
+          </a:p>
           <a:p/>
           <a:p>
             <a:r>
               <a:rPr sz="1600">
                 <a:latin typeface="Open Sans"/>
               </a:rPr>
-              <a:t>Una analogía para la convergencia de datos y negocios sería la de un chef que utiliza diferentes ingredientes de alta calidad para crear un plato exquisito. Cada ingrediente representa la información generada por las diferentes áreas de la empresa, y al combinarlos de manera adecuada y utilizar las herramientas tecnológicas disponibles, el chef (o la empresa) puede crear un plato (o tomar decisiones estratégicas) que destaque por su sabor, textura y presentación, logrando así un resultado final exitoso y satisfactorio. De la misma manera, al integrar y analizar la información de manera eficiente, las empresas pueden mejorar su rendimiento y eficiencia, logrando un éxito sostenible en el mercado.</a:t>
+              <a:t>De la misma manera, las empresas deben recopilar datos de diversas fuentes, analizarlos cuidadosamente y utilizarlos de manera inteligente para tomar decisiones estratégicas que impulsen el crecimiento y la rentabilidad de su negocio. Al igual que un chef que busca crear un plato excepcional, las empresas deben buscar aprovechar al máximo la información disponible para obtener una ventaja competitiva en el mercado. La convergencia de datos y negocios es el proceso de combinar y utilizar eficazmente los datos para crear estrategias innovadoras y exitosas que impulsen el éxito empresarial.</a:t>
             </a:r>
           </a:p>
         </p:txBody>
@@ -3555,8 +3542,8 @@
         </p:nvSpPr>
         <p:spPr>
           <a:xfrm>
-            <a:off x="1828800" y="0"/>
-            <a:ext cx="9144000" cy="127000"/>
+            <a:off x="0" y="91440"/>
+            <a:ext cx="10058400" cy="127000"/>
           </a:xfrm>
           <a:prstGeom prst="rect">
             <a:avLst/>
@@ -3564,6 +3551,10 @@
           <a:solidFill>
             <a:srgbClr val="FF0E68"/>
           </a:solidFill>
+          <a:ln>
+            <a:noFill/>
+          </a:ln>
+          <a:effectLst/>
         </p:spPr>
         <p:style>
           <a:lnRef idx="1">
